--- a/웹개발입문 발표 자료.pptx
+++ b/웹개발입문 발표 자료.pptx
@@ -1067,7 +1067,7 @@
                 </a:solidFill>
               </a:rPr>
               <a:pPr/>
-              <a:t>2021-06-14</a:t>
+              <a:t>2021-06-15</a:t>
             </a:fld>
             <a:endParaRPr lang="ko-KR" altLang="en-US">
               <a:solidFill>
@@ -1267,7 +1267,7 @@
                 </a:solidFill>
               </a:rPr>
               <a:pPr/>
-              <a:t>2021-06-14</a:t>
+              <a:t>2021-06-15</a:t>
             </a:fld>
             <a:endParaRPr lang="ko-KR" altLang="en-US">
               <a:solidFill>
@@ -1477,7 +1477,7 @@
                 </a:solidFill>
               </a:rPr>
               <a:pPr/>
-              <a:t>2021-06-14</a:t>
+              <a:t>2021-06-15</a:t>
             </a:fld>
             <a:endParaRPr lang="ko-KR" altLang="en-US">
               <a:solidFill>
@@ -1677,7 +1677,7 @@
                 </a:solidFill>
               </a:rPr>
               <a:pPr/>
-              <a:t>2021-06-14</a:t>
+              <a:t>2021-06-15</a:t>
             </a:fld>
             <a:endParaRPr lang="ko-KR" altLang="en-US">
               <a:solidFill>
@@ -1954,7 +1954,7 @@
                 </a:solidFill>
               </a:rPr>
               <a:pPr/>
-              <a:t>2021-06-14</a:t>
+              <a:t>2021-06-15</a:t>
             </a:fld>
             <a:endParaRPr lang="ko-KR" altLang="en-US">
               <a:solidFill>
@@ -2215,7 +2215,7 @@
                 </a:solidFill>
               </a:rPr>
               <a:pPr/>
-              <a:t>2021-06-14</a:t>
+              <a:t>2021-06-15</a:t>
             </a:fld>
             <a:endParaRPr lang="ko-KR" altLang="en-US">
               <a:solidFill>
@@ -2611,7 +2611,7 @@
                 </a:solidFill>
               </a:rPr>
               <a:pPr/>
-              <a:t>2021-06-14</a:t>
+              <a:t>2021-06-15</a:t>
             </a:fld>
             <a:endParaRPr lang="ko-KR" altLang="en-US">
               <a:solidFill>
@@ -2760,7 +2760,7 @@
                 </a:solidFill>
               </a:rPr>
               <a:pPr/>
-              <a:t>2021-06-14</a:t>
+              <a:t>2021-06-15</a:t>
             </a:fld>
             <a:endParaRPr lang="ko-KR" altLang="en-US">
               <a:solidFill>
@@ -2887,7 +2887,7 @@
                 </a:solidFill>
               </a:rPr>
               <a:pPr/>
-              <a:t>2021-06-14</a:t>
+              <a:t>2021-06-15</a:t>
             </a:fld>
             <a:endParaRPr lang="ko-KR" altLang="en-US">
               <a:solidFill>
@@ -3194,7 +3194,7 @@
                 </a:solidFill>
               </a:rPr>
               <a:pPr/>
-              <a:t>2021-06-14</a:t>
+              <a:t>2021-06-15</a:t>
             </a:fld>
             <a:endParaRPr lang="ko-KR" altLang="en-US">
               <a:solidFill>
@@ -3478,7 +3478,7 @@
                 </a:solidFill>
               </a:rPr>
               <a:pPr/>
-              <a:t>2021-06-14</a:t>
+              <a:t>2021-06-15</a:t>
             </a:fld>
             <a:endParaRPr lang="ko-KR" altLang="en-US">
               <a:solidFill>
@@ -3721,7 +3721,7 @@
                 </a:solidFill>
               </a:rPr>
               <a:pPr/>
-              <a:t>2021-06-14</a:t>
+              <a:t>2021-06-15</a:t>
             </a:fld>
             <a:endParaRPr lang="ko-KR" altLang="en-US">
               <a:solidFill>
@@ -9261,7 +9261,7 @@
         <p:spPr>
           <a:xfrm>
             <a:off x="5020450" y="5090404"/>
-            <a:ext cx="2057160" cy="0"/>
+            <a:ext cx="2151315" cy="0"/>
           </a:xfrm>
           <a:prstGeom prst="line">
             <a:avLst/>
